--- a/Poster1.pptx
+++ b/Poster1.pptx
@@ -243,7 +243,7 @@
           <a:p>
             <a:fld id="{B01F84D2-6D24-443A-A1A0-E90B74CE7AA6}" type="datetimeFigureOut">
               <a:rPr lang="ko-KR" altLang="en-US" smtClean="0"/>
-              <a:t>2019-06-21</a:t>
+              <a:t>2019-06-29</a:t>
             </a:fld>
             <a:endParaRPr lang="ko-KR" altLang="en-US"/>
           </a:p>
@@ -413,7 +413,7 @@
           <a:p>
             <a:fld id="{B01F84D2-6D24-443A-A1A0-E90B74CE7AA6}" type="datetimeFigureOut">
               <a:rPr lang="ko-KR" altLang="en-US" smtClean="0"/>
-              <a:t>2019-06-21</a:t>
+              <a:t>2019-06-29</a:t>
             </a:fld>
             <a:endParaRPr lang="ko-KR" altLang="en-US"/>
           </a:p>
@@ -593,7 +593,7 @@
           <a:p>
             <a:fld id="{B01F84D2-6D24-443A-A1A0-E90B74CE7AA6}" type="datetimeFigureOut">
               <a:rPr lang="ko-KR" altLang="en-US" smtClean="0"/>
-              <a:t>2019-06-21</a:t>
+              <a:t>2019-06-29</a:t>
             </a:fld>
             <a:endParaRPr lang="ko-KR" altLang="en-US"/>
           </a:p>
@@ -763,7 +763,7 @@
           <a:p>
             <a:fld id="{B01F84D2-6D24-443A-A1A0-E90B74CE7AA6}" type="datetimeFigureOut">
               <a:rPr lang="ko-KR" altLang="en-US" smtClean="0"/>
-              <a:t>2019-06-21</a:t>
+              <a:t>2019-06-29</a:t>
             </a:fld>
             <a:endParaRPr lang="ko-KR" altLang="en-US"/>
           </a:p>
@@ -1009,7 +1009,7 @@
           <a:p>
             <a:fld id="{B01F84D2-6D24-443A-A1A0-E90B74CE7AA6}" type="datetimeFigureOut">
               <a:rPr lang="ko-KR" altLang="en-US" smtClean="0"/>
-              <a:t>2019-06-21</a:t>
+              <a:t>2019-06-29</a:t>
             </a:fld>
             <a:endParaRPr lang="ko-KR" altLang="en-US"/>
           </a:p>
@@ -1241,7 +1241,7 @@
           <a:p>
             <a:fld id="{B01F84D2-6D24-443A-A1A0-E90B74CE7AA6}" type="datetimeFigureOut">
               <a:rPr lang="ko-KR" altLang="en-US" smtClean="0"/>
-              <a:t>2019-06-21</a:t>
+              <a:t>2019-06-29</a:t>
             </a:fld>
             <a:endParaRPr lang="ko-KR" altLang="en-US"/>
           </a:p>
@@ -1608,7 +1608,7 @@
           <a:p>
             <a:fld id="{B01F84D2-6D24-443A-A1A0-E90B74CE7AA6}" type="datetimeFigureOut">
               <a:rPr lang="ko-KR" altLang="en-US" smtClean="0"/>
-              <a:t>2019-06-21</a:t>
+              <a:t>2019-06-29</a:t>
             </a:fld>
             <a:endParaRPr lang="ko-KR" altLang="en-US"/>
           </a:p>
@@ -1726,7 +1726,7 @@
           <a:p>
             <a:fld id="{B01F84D2-6D24-443A-A1A0-E90B74CE7AA6}" type="datetimeFigureOut">
               <a:rPr lang="ko-KR" altLang="en-US" smtClean="0"/>
-              <a:t>2019-06-21</a:t>
+              <a:t>2019-06-29</a:t>
             </a:fld>
             <a:endParaRPr lang="ko-KR" altLang="en-US"/>
           </a:p>
@@ -1821,7 +1821,7 @@
           <a:p>
             <a:fld id="{B01F84D2-6D24-443A-A1A0-E90B74CE7AA6}" type="datetimeFigureOut">
               <a:rPr lang="ko-KR" altLang="en-US" smtClean="0"/>
-              <a:t>2019-06-21</a:t>
+              <a:t>2019-06-29</a:t>
             </a:fld>
             <a:endParaRPr lang="ko-KR" altLang="en-US"/>
           </a:p>
@@ -2098,7 +2098,7 @@
           <a:p>
             <a:fld id="{B01F84D2-6D24-443A-A1A0-E90B74CE7AA6}" type="datetimeFigureOut">
               <a:rPr lang="ko-KR" altLang="en-US" smtClean="0"/>
-              <a:t>2019-06-21</a:t>
+              <a:t>2019-06-29</a:t>
             </a:fld>
             <a:endParaRPr lang="ko-KR" altLang="en-US"/>
           </a:p>
@@ -2351,7 +2351,7 @@
           <a:p>
             <a:fld id="{B01F84D2-6D24-443A-A1A0-E90B74CE7AA6}" type="datetimeFigureOut">
               <a:rPr lang="ko-KR" altLang="en-US" smtClean="0"/>
-              <a:t>2019-06-21</a:t>
+              <a:t>2019-06-29</a:t>
             </a:fld>
             <a:endParaRPr lang="ko-KR" altLang="en-US"/>
           </a:p>
@@ -2564,7 +2564,7 @@
           <a:p>
             <a:fld id="{B01F84D2-6D24-443A-A1A0-E90B74CE7AA6}" type="datetimeFigureOut">
               <a:rPr lang="ko-KR" altLang="en-US" smtClean="0"/>
-              <a:t>2019-06-21</a:t>
+              <a:t>2019-06-29</a:t>
             </a:fld>
             <a:endParaRPr lang="ko-KR" altLang="en-US"/>
           </a:p>
@@ -3409,7 +3409,33 @@
                 <a:latin typeface="HY헤드라인M" panose="02030600000101010101" pitchFamily="18" charset="-127"/>
                 <a:ea typeface="HY헤드라인M" panose="02030600000101010101" pitchFamily="18" charset="-127"/>
               </a:rPr>
-              <a:t>~ 2019. 7. 5. (</a:t>
+              <a:t>~ 2019. 7. </a:t>
+            </a:r>
+            <a:r>
+              <a:rPr lang="en-US" altLang="ko-KR" dirty="0" smtClean="0">
+                <a:solidFill>
+                  <a:schemeClr val="accent1">
+                    <a:lumMod val="20000"/>
+                    <a:lumOff val="80000"/>
+                  </a:schemeClr>
+                </a:solidFill>
+                <a:latin typeface="HY헤드라인M" panose="02030600000101010101" pitchFamily="18" charset="-127"/>
+                <a:ea typeface="HY헤드라인M" panose="02030600000101010101" pitchFamily="18" charset="-127"/>
+              </a:rPr>
+              <a:t>10. </a:t>
+            </a:r>
+            <a:r>
+              <a:rPr lang="en-US" altLang="ko-KR" dirty="0" smtClean="0">
+                <a:solidFill>
+                  <a:schemeClr val="accent1">
+                    <a:lumMod val="20000"/>
+                    <a:lumOff val="80000"/>
+                  </a:schemeClr>
+                </a:solidFill>
+                <a:latin typeface="HY헤드라인M" panose="02030600000101010101" pitchFamily="18" charset="-127"/>
+                <a:ea typeface="HY헤드라인M" panose="02030600000101010101" pitchFamily="18" charset="-127"/>
+              </a:rPr>
+              <a:t>(</a:t>
             </a:r>
             <a:r>
               <a:rPr lang="ko-KR" altLang="en-US" dirty="0" smtClean="0">
@@ -4184,17 +4210,7 @@
                 <a:latin typeface="HY헤드라인M" panose="02030600000101010101" pitchFamily="18" charset="-127"/>
                 <a:ea typeface="HY헤드라인M" panose="02030600000101010101" pitchFamily="18" charset="-127"/>
               </a:rPr>
-              <a:t>신청 </a:t>
-            </a:r>
-            <a:r>
-              <a:rPr lang="ko-KR" altLang="en-US" dirty="0" smtClean="0">
-                <a:solidFill>
-                  <a:schemeClr val="bg1"/>
-                </a:solidFill>
-                <a:latin typeface="HY헤드라인M" panose="02030600000101010101" pitchFamily="18" charset="-127"/>
-                <a:ea typeface="HY헤드라인M" panose="02030600000101010101" pitchFamily="18" charset="-127"/>
-              </a:rPr>
-              <a:t>사이트</a:t>
+              <a:t>신청 사이트</a:t>
             </a:r>
             <a:endParaRPr lang="en-US" altLang="ko-KR" dirty="0" smtClean="0">
               <a:solidFill>
@@ -4214,17 +4230,7 @@
                 <a:latin typeface="HY헤드라인M" panose="02030600000101010101" pitchFamily="18" charset="-127"/>
                 <a:ea typeface="HY헤드라인M" panose="02030600000101010101" pitchFamily="18" charset="-127"/>
               </a:rPr>
-              <a:t>및 </a:t>
-            </a:r>
-            <a:r>
-              <a:rPr lang="ko-KR" altLang="en-US" smtClean="0">
-                <a:solidFill>
-                  <a:schemeClr val="bg1"/>
-                </a:solidFill>
-                <a:latin typeface="HY헤드라인M" panose="02030600000101010101" pitchFamily="18" charset="-127"/>
-                <a:ea typeface="HY헤드라인M" panose="02030600000101010101" pitchFamily="18" charset="-127"/>
-              </a:rPr>
-              <a:t>대회 설명</a:t>
+              <a:t>및 대회 설명</a:t>
             </a:r>
             <a:endParaRPr lang="en-US" altLang="ko-KR" dirty="0" smtClean="0">
               <a:solidFill>

--- a/Poster1.pptx
+++ b/Poster1.pptx
@@ -243,7 +243,7 @@
           <a:p>
             <a:fld id="{B01F84D2-6D24-443A-A1A0-E90B74CE7AA6}" type="datetimeFigureOut">
               <a:rPr lang="ko-KR" altLang="en-US" smtClean="0"/>
-              <a:t>2019-06-29</a:t>
+              <a:t>2019-07-01</a:t>
             </a:fld>
             <a:endParaRPr lang="ko-KR" altLang="en-US"/>
           </a:p>
@@ -413,7 +413,7 @@
           <a:p>
             <a:fld id="{B01F84D2-6D24-443A-A1A0-E90B74CE7AA6}" type="datetimeFigureOut">
               <a:rPr lang="ko-KR" altLang="en-US" smtClean="0"/>
-              <a:t>2019-06-29</a:t>
+              <a:t>2019-07-01</a:t>
             </a:fld>
             <a:endParaRPr lang="ko-KR" altLang="en-US"/>
           </a:p>
@@ -593,7 +593,7 @@
           <a:p>
             <a:fld id="{B01F84D2-6D24-443A-A1A0-E90B74CE7AA6}" type="datetimeFigureOut">
               <a:rPr lang="ko-KR" altLang="en-US" smtClean="0"/>
-              <a:t>2019-06-29</a:t>
+              <a:t>2019-07-01</a:t>
             </a:fld>
             <a:endParaRPr lang="ko-KR" altLang="en-US"/>
           </a:p>
@@ -763,7 +763,7 @@
           <a:p>
             <a:fld id="{B01F84D2-6D24-443A-A1A0-E90B74CE7AA6}" type="datetimeFigureOut">
               <a:rPr lang="ko-KR" altLang="en-US" smtClean="0"/>
-              <a:t>2019-06-29</a:t>
+              <a:t>2019-07-01</a:t>
             </a:fld>
             <a:endParaRPr lang="ko-KR" altLang="en-US"/>
           </a:p>
@@ -1009,7 +1009,7 @@
           <a:p>
             <a:fld id="{B01F84D2-6D24-443A-A1A0-E90B74CE7AA6}" type="datetimeFigureOut">
               <a:rPr lang="ko-KR" altLang="en-US" smtClean="0"/>
-              <a:t>2019-06-29</a:t>
+              <a:t>2019-07-01</a:t>
             </a:fld>
             <a:endParaRPr lang="ko-KR" altLang="en-US"/>
           </a:p>
@@ -1241,7 +1241,7 @@
           <a:p>
             <a:fld id="{B01F84D2-6D24-443A-A1A0-E90B74CE7AA6}" type="datetimeFigureOut">
               <a:rPr lang="ko-KR" altLang="en-US" smtClean="0"/>
-              <a:t>2019-06-29</a:t>
+              <a:t>2019-07-01</a:t>
             </a:fld>
             <a:endParaRPr lang="ko-KR" altLang="en-US"/>
           </a:p>
@@ -1608,7 +1608,7 @@
           <a:p>
             <a:fld id="{B01F84D2-6D24-443A-A1A0-E90B74CE7AA6}" type="datetimeFigureOut">
               <a:rPr lang="ko-KR" altLang="en-US" smtClean="0"/>
-              <a:t>2019-06-29</a:t>
+              <a:t>2019-07-01</a:t>
             </a:fld>
             <a:endParaRPr lang="ko-KR" altLang="en-US"/>
           </a:p>
@@ -1726,7 +1726,7 @@
           <a:p>
             <a:fld id="{B01F84D2-6D24-443A-A1A0-E90B74CE7AA6}" type="datetimeFigureOut">
               <a:rPr lang="ko-KR" altLang="en-US" smtClean="0"/>
-              <a:t>2019-06-29</a:t>
+              <a:t>2019-07-01</a:t>
             </a:fld>
             <a:endParaRPr lang="ko-KR" altLang="en-US"/>
           </a:p>
@@ -1821,7 +1821,7 @@
           <a:p>
             <a:fld id="{B01F84D2-6D24-443A-A1A0-E90B74CE7AA6}" type="datetimeFigureOut">
               <a:rPr lang="ko-KR" altLang="en-US" smtClean="0"/>
-              <a:t>2019-06-29</a:t>
+              <a:t>2019-07-01</a:t>
             </a:fld>
             <a:endParaRPr lang="ko-KR" altLang="en-US"/>
           </a:p>
@@ -2098,7 +2098,7 @@
           <a:p>
             <a:fld id="{B01F84D2-6D24-443A-A1A0-E90B74CE7AA6}" type="datetimeFigureOut">
               <a:rPr lang="ko-KR" altLang="en-US" smtClean="0"/>
-              <a:t>2019-06-29</a:t>
+              <a:t>2019-07-01</a:t>
             </a:fld>
             <a:endParaRPr lang="ko-KR" altLang="en-US"/>
           </a:p>
@@ -2351,7 +2351,7 @@
           <a:p>
             <a:fld id="{B01F84D2-6D24-443A-A1A0-E90B74CE7AA6}" type="datetimeFigureOut">
               <a:rPr lang="ko-KR" altLang="en-US" smtClean="0"/>
-              <a:t>2019-06-29</a:t>
+              <a:t>2019-07-01</a:t>
             </a:fld>
             <a:endParaRPr lang="ko-KR" altLang="en-US"/>
           </a:p>
@@ -2564,7 +2564,7 @@
           <a:p>
             <a:fld id="{B01F84D2-6D24-443A-A1A0-E90B74CE7AA6}" type="datetimeFigureOut">
               <a:rPr lang="ko-KR" altLang="en-US" smtClean="0"/>
-              <a:t>2019-06-29</a:t>
+              <a:t>2019-07-01</a:t>
             </a:fld>
             <a:endParaRPr lang="ko-KR" altLang="en-US"/>
           </a:p>
@@ -3409,33 +3409,7 @@
                 <a:latin typeface="HY헤드라인M" panose="02030600000101010101" pitchFamily="18" charset="-127"/>
                 <a:ea typeface="HY헤드라인M" panose="02030600000101010101" pitchFamily="18" charset="-127"/>
               </a:rPr>
-              <a:t>~ 2019. 7. </a:t>
-            </a:r>
-            <a:r>
-              <a:rPr lang="en-US" altLang="ko-KR" dirty="0" smtClean="0">
-                <a:solidFill>
-                  <a:schemeClr val="accent1">
-                    <a:lumMod val="20000"/>
-                    <a:lumOff val="80000"/>
-                  </a:schemeClr>
-                </a:solidFill>
-                <a:latin typeface="HY헤드라인M" panose="02030600000101010101" pitchFamily="18" charset="-127"/>
-                <a:ea typeface="HY헤드라인M" panose="02030600000101010101" pitchFamily="18" charset="-127"/>
-              </a:rPr>
-              <a:t>10. </a:t>
-            </a:r>
-            <a:r>
-              <a:rPr lang="en-US" altLang="ko-KR" dirty="0" smtClean="0">
-                <a:solidFill>
-                  <a:schemeClr val="accent1">
-                    <a:lumMod val="20000"/>
-                    <a:lumOff val="80000"/>
-                  </a:schemeClr>
-                </a:solidFill>
-                <a:latin typeface="HY헤드라인M" panose="02030600000101010101" pitchFamily="18" charset="-127"/>
-                <a:ea typeface="HY헤드라인M" panose="02030600000101010101" pitchFamily="18" charset="-127"/>
-              </a:rPr>
-              <a:t>(</a:t>
+              <a:t>~ 2019. 7. 10. (</a:t>
             </a:r>
             <a:r>
               <a:rPr lang="ko-KR" altLang="en-US" dirty="0" smtClean="0">
@@ -4071,14 +4045,27 @@
               <a:t> </a:t>
             </a:r>
             <a:r>
-              <a:rPr lang="en-US" altLang="ko-KR" dirty="0" smtClean="0">
+              <a:rPr lang="en-US" altLang="ko-KR" smtClean="0">
+                <a:solidFill>
+                  <a:schemeClr val="accent1">
+                    <a:lumMod val="20000"/>
+                    <a:lumOff val="80000"/>
+                  </a:schemeClr>
+                </a:solidFill>
+                <a:latin typeface="HY헤드라인M" panose="02030600000101010101" pitchFamily="18" charset="-127"/>
+                <a:ea typeface="HY헤드라인M" panose="02030600000101010101" pitchFamily="18" charset="-127"/>
+              </a:rPr>
+              <a:t>ray</a:t>
+            </a:r>
+            <a:r>
+              <a:rPr lang="en-US" altLang="ko-KR" smtClean="0">
                 <a:solidFill>
                   <a:schemeClr val="bg1"/>
                 </a:solidFill>
                 <a:latin typeface="HY헤드라인M" panose="02030600000101010101" pitchFamily="18" charset="-127"/>
                 <a:ea typeface="HY헤드라인M" panose="02030600000101010101" pitchFamily="18" charset="-127"/>
               </a:rPr>
-              <a:t>kyo20111</a:t>
+              <a:t>20111</a:t>
             </a:r>
             <a:endParaRPr lang="en-US" altLang="ko-KR" dirty="0">
               <a:solidFill>

--- a/Poster1.pptx
+++ b/Poster1.pptx
@@ -243,7 +243,7 @@
           <a:p>
             <a:fld id="{B01F84D2-6D24-443A-A1A0-E90B74CE7AA6}" type="datetimeFigureOut">
               <a:rPr lang="ko-KR" altLang="en-US" smtClean="0"/>
-              <a:t>2019-07-01</a:t>
+              <a:t>2019-07-02</a:t>
             </a:fld>
             <a:endParaRPr lang="ko-KR" altLang="en-US"/>
           </a:p>
@@ -413,7 +413,7 @@
           <a:p>
             <a:fld id="{B01F84D2-6D24-443A-A1A0-E90B74CE7AA6}" type="datetimeFigureOut">
               <a:rPr lang="ko-KR" altLang="en-US" smtClean="0"/>
-              <a:t>2019-07-01</a:t>
+              <a:t>2019-07-02</a:t>
             </a:fld>
             <a:endParaRPr lang="ko-KR" altLang="en-US"/>
           </a:p>
@@ -593,7 +593,7 @@
           <a:p>
             <a:fld id="{B01F84D2-6D24-443A-A1A0-E90B74CE7AA6}" type="datetimeFigureOut">
               <a:rPr lang="ko-KR" altLang="en-US" smtClean="0"/>
-              <a:t>2019-07-01</a:t>
+              <a:t>2019-07-02</a:t>
             </a:fld>
             <a:endParaRPr lang="ko-KR" altLang="en-US"/>
           </a:p>
@@ -763,7 +763,7 @@
           <a:p>
             <a:fld id="{B01F84D2-6D24-443A-A1A0-E90B74CE7AA6}" type="datetimeFigureOut">
               <a:rPr lang="ko-KR" altLang="en-US" smtClean="0"/>
-              <a:t>2019-07-01</a:t>
+              <a:t>2019-07-02</a:t>
             </a:fld>
             <a:endParaRPr lang="ko-KR" altLang="en-US"/>
           </a:p>
@@ -1009,7 +1009,7 @@
           <a:p>
             <a:fld id="{B01F84D2-6D24-443A-A1A0-E90B74CE7AA6}" type="datetimeFigureOut">
               <a:rPr lang="ko-KR" altLang="en-US" smtClean="0"/>
-              <a:t>2019-07-01</a:t>
+              <a:t>2019-07-02</a:t>
             </a:fld>
             <a:endParaRPr lang="ko-KR" altLang="en-US"/>
           </a:p>
@@ -1241,7 +1241,7 @@
           <a:p>
             <a:fld id="{B01F84D2-6D24-443A-A1A0-E90B74CE7AA6}" type="datetimeFigureOut">
               <a:rPr lang="ko-KR" altLang="en-US" smtClean="0"/>
-              <a:t>2019-07-01</a:t>
+              <a:t>2019-07-02</a:t>
             </a:fld>
             <a:endParaRPr lang="ko-KR" altLang="en-US"/>
           </a:p>
@@ -1608,7 +1608,7 @@
           <a:p>
             <a:fld id="{B01F84D2-6D24-443A-A1A0-E90B74CE7AA6}" type="datetimeFigureOut">
               <a:rPr lang="ko-KR" altLang="en-US" smtClean="0"/>
-              <a:t>2019-07-01</a:t>
+              <a:t>2019-07-02</a:t>
             </a:fld>
             <a:endParaRPr lang="ko-KR" altLang="en-US"/>
           </a:p>
@@ -1726,7 +1726,7 @@
           <a:p>
             <a:fld id="{B01F84D2-6D24-443A-A1A0-E90B74CE7AA6}" type="datetimeFigureOut">
               <a:rPr lang="ko-KR" altLang="en-US" smtClean="0"/>
-              <a:t>2019-07-01</a:t>
+              <a:t>2019-07-02</a:t>
             </a:fld>
             <a:endParaRPr lang="ko-KR" altLang="en-US"/>
           </a:p>
@@ -1821,7 +1821,7 @@
           <a:p>
             <a:fld id="{B01F84D2-6D24-443A-A1A0-E90B74CE7AA6}" type="datetimeFigureOut">
               <a:rPr lang="ko-KR" altLang="en-US" smtClean="0"/>
-              <a:t>2019-07-01</a:t>
+              <a:t>2019-07-02</a:t>
             </a:fld>
             <a:endParaRPr lang="ko-KR" altLang="en-US"/>
           </a:p>
@@ -2098,7 +2098,7 @@
           <a:p>
             <a:fld id="{B01F84D2-6D24-443A-A1A0-E90B74CE7AA6}" type="datetimeFigureOut">
               <a:rPr lang="ko-KR" altLang="en-US" smtClean="0"/>
-              <a:t>2019-07-01</a:t>
+              <a:t>2019-07-02</a:t>
             </a:fld>
             <a:endParaRPr lang="ko-KR" altLang="en-US"/>
           </a:p>
@@ -2351,7 +2351,7 @@
           <a:p>
             <a:fld id="{B01F84D2-6D24-443A-A1A0-E90B74CE7AA6}" type="datetimeFigureOut">
               <a:rPr lang="ko-KR" altLang="en-US" smtClean="0"/>
-              <a:t>2019-07-01</a:t>
+              <a:t>2019-07-02</a:t>
             </a:fld>
             <a:endParaRPr lang="ko-KR" altLang="en-US"/>
           </a:p>
@@ -2564,7 +2564,7 @@
           <a:p>
             <a:fld id="{B01F84D2-6D24-443A-A1A0-E90B74CE7AA6}" type="datetimeFigureOut">
               <a:rPr lang="ko-KR" altLang="en-US" smtClean="0"/>
-              <a:t>2019-07-01</a:t>
+              <a:t>2019-07-02</a:t>
             </a:fld>
             <a:endParaRPr lang="ko-KR" altLang="en-US"/>
           </a:p>
@@ -3904,8 +3904,12 @@
             </a:r>
           </a:p>
           <a:p>
-            <a:r>
-              <a:rPr lang="en-US" altLang="ko-KR" sz="1000" dirty="0" smtClean="0">
+            <a:pPr marL="171450" indent="-171450">
+              <a:buFont typeface="Arial" panose="020B0604020202020204" pitchFamily="34" charset="0"/>
+              <a:buChar char="•"/>
+            </a:pPr>
+            <a:r>
+              <a:rPr lang="ko-KR" altLang="en-US" sz="1000" dirty="0" smtClean="0">
                 <a:solidFill>
                   <a:schemeClr val="accent1">
                     <a:lumMod val="20000"/>
@@ -3915,7 +3919,7 @@
                 <a:latin typeface="HY헤드라인M" panose="02030600000101010101" pitchFamily="18" charset="-127"/>
                 <a:ea typeface="HY헤드라인M" panose="02030600000101010101" pitchFamily="18" charset="-127"/>
               </a:rPr>
-              <a:t>* </a:t>
+              <a:t>수상은 </a:t>
             </a:r>
             <a:r>
               <a:rPr lang="ko-KR" altLang="en-US" sz="1000" dirty="0" smtClean="0">
@@ -3928,7 +3932,7 @@
                 <a:latin typeface="HY헤드라인M" panose="02030600000101010101" pitchFamily="18" charset="-127"/>
                 <a:ea typeface="HY헤드라인M" panose="02030600000101010101" pitchFamily="18" charset="-127"/>
               </a:rPr>
-              <a:t>상장은 없습니다</a:t>
+              <a:t>없습니다</a:t>
             </a:r>
             <a:r>
               <a:rPr lang="en-US" altLang="ko-KR" sz="1000" dirty="0" smtClean="0">
@@ -3945,6 +3949,10 @@
             </a:r>
           </a:p>
           <a:p>
+            <a:pPr marL="285750" indent="-285750">
+              <a:buFont typeface="Arial" panose="020B0604020202020204" pitchFamily="34" charset="0"/>
+              <a:buChar char="•"/>
+            </a:pPr>
             <a:endParaRPr lang="en-US" altLang="ko-KR" dirty="0" smtClean="0">
               <a:solidFill>
                 <a:schemeClr val="accent1">
@@ -4045,7 +4053,7 @@
               <a:t> </a:t>
             </a:r>
             <a:r>
-              <a:rPr lang="en-US" altLang="ko-KR" smtClean="0">
+              <a:rPr lang="en-US" altLang="ko-KR" dirty="0" smtClean="0">
                 <a:solidFill>
                   <a:schemeClr val="accent1">
                     <a:lumMod val="20000"/>
@@ -4055,17 +4063,7 @@
                 <a:latin typeface="HY헤드라인M" panose="02030600000101010101" pitchFamily="18" charset="-127"/>
                 <a:ea typeface="HY헤드라인M" panose="02030600000101010101" pitchFamily="18" charset="-127"/>
               </a:rPr>
-              <a:t>ray</a:t>
-            </a:r>
-            <a:r>
-              <a:rPr lang="en-US" altLang="ko-KR" smtClean="0">
-                <a:solidFill>
-                  <a:schemeClr val="bg1"/>
-                </a:solidFill>
-                <a:latin typeface="HY헤드라인M" panose="02030600000101010101" pitchFamily="18" charset="-127"/>
-                <a:ea typeface="HY헤드라인M" panose="02030600000101010101" pitchFamily="18" charset="-127"/>
-              </a:rPr>
-              <a:t>20111</a:t>
+              <a:t>ray20111</a:t>
             </a:r>
             <a:endParaRPr lang="en-US" altLang="ko-KR" dirty="0">
               <a:solidFill>
